--- a/presentation/Presentation.pptx
+++ b/presentation/Presentation.pptx
@@ -25,9 +25,10 @@
     <p:sldId id="258" r:id="rId19"/>
     <p:sldId id="276" r:id="rId20"/>
     <p:sldId id="277" r:id="rId21"/>
-    <p:sldId id="278" r:id="rId22"/>
-    <p:sldId id="279" r:id="rId23"/>
-    <p:sldId id="281" r:id="rId24"/>
+    <p:sldId id="283" r:id="rId22"/>
+    <p:sldId id="278" r:id="rId23"/>
+    <p:sldId id="279" r:id="rId24"/>
+    <p:sldId id="281" r:id="rId25"/>
   </p:sldIdLst>
   <p:sldSz cx="12192000" cy="6858000"/>
   <p:notesSz cx="6858000" cy="9144000"/>
@@ -6890,8 +6891,8 @@
         </p:nvSpPr>
         <p:spPr>
           <a:xfrm>
-            <a:off x="2194560" y="2452320"/>
-            <a:ext cx="7660640" cy="2523768"/>
+            <a:off x="1398767" y="2227399"/>
+            <a:ext cx="9394466" cy="2800767"/>
           </a:xfrm>
           <a:prstGeom prst="rect">
             <a:avLst/>
@@ -6906,14 +6907,14 @@
           <a:p>
             <a:pPr algn="ctr"/>
             <a:r>
-              <a:rPr lang="en-US" sz="5400" dirty="0">
+              <a:rPr lang="en-US" sz="6000" dirty="0">
                 <a:latin typeface="Aharoni" panose="02010803020104030203" pitchFamily="2" charset="-79"/>
                 <a:cs typeface="Aharoni" panose="02010803020104030203" pitchFamily="2" charset="-79"/>
               </a:rPr>
               <a:t>Genetic Programming:</a:t>
             </a:r>
             <a:r>
-              <a:rPr lang="en-US" sz="4000" dirty="0">
+              <a:rPr lang="en-US" sz="4400" dirty="0">
                 <a:latin typeface="Aharoni" panose="02010803020104030203" pitchFamily="2" charset="-79"/>
                 <a:cs typeface="Aharoni" panose="02010803020104030203" pitchFamily="2" charset="-79"/>
               </a:rPr>
@@ -6922,7 +6923,7 @@
           </a:p>
           <a:p>
             <a:pPr algn="ctr"/>
-            <a:endParaRPr lang="en-US" sz="4000" dirty="0">
+            <a:endParaRPr lang="en-US" sz="4400" dirty="0">
               <a:latin typeface="Aharoni" panose="02010803020104030203" pitchFamily="2" charset="-79"/>
               <a:cs typeface="Aharoni" panose="02010803020104030203" pitchFamily="2" charset="-79"/>
             </a:endParaRPr>
@@ -6930,7 +6931,7 @@
           <a:p>
             <a:pPr algn="ctr"/>
             <a:r>
-              <a:rPr lang="en-US" sz="2400" dirty="0">
+              <a:rPr lang="en-US" sz="2800" dirty="0">
                 <a:latin typeface="Aharoni" panose="02010803020104030203" pitchFamily="2" charset="-79"/>
                 <a:cs typeface="Aharoni" panose="02010803020104030203" pitchFamily="2" charset="-79"/>
               </a:rPr>
@@ -11193,7 +11194,7 @@
         <p:spPr>
           <a:xfrm>
             <a:off x="2265680" y="2659558"/>
-            <a:ext cx="7660640" cy="1815882"/>
+            <a:ext cx="7660640" cy="1938992"/>
           </a:xfrm>
           <a:prstGeom prst="rect">
             <a:avLst/>
@@ -11208,13 +11209,13 @@
           <a:p>
             <a:pPr algn="ctr"/>
             <a:r>
-              <a:rPr lang="en-US" sz="4000" dirty="0">
+              <a:rPr lang="en-US" sz="4800" dirty="0">
                 <a:latin typeface="Aharoni" panose="02010803020104030203" pitchFamily="2" charset="-79"/>
                 <a:cs typeface="Aharoni" panose="02010803020104030203" pitchFamily="2" charset="-79"/>
               </a:rPr>
               <a:t>Implementation</a:t>
             </a:r>
-            <a:endParaRPr lang="en-US" sz="3600" dirty="0">
+            <a:endParaRPr lang="en-US" sz="4400" dirty="0">
               <a:latin typeface="Aharoni" panose="02010803020104030203" pitchFamily="2" charset="-79"/>
               <a:cs typeface="Aharoni" panose="02010803020104030203" pitchFamily="2" charset="-79"/>
             </a:endParaRPr>
@@ -11226,7 +11227,7 @@
                 <a:latin typeface="Aharoni" panose="02010803020104030203" pitchFamily="2" charset="-79"/>
                 <a:cs typeface="Aharoni" panose="02010803020104030203" pitchFamily="2" charset="-79"/>
               </a:rPr>
-              <a:t>Data representation, reproduction, and crossover </a:t>
+              <a:t>function representation, reproduction, and crossover </a:t>
             </a:r>
             <a:endParaRPr lang="en-US" sz="4000" dirty="0">
               <a:latin typeface="Aharoni" panose="02010803020104030203" pitchFamily="2" charset="-79"/>
@@ -12706,8 +12707,8 @@
         </p:nvSpPr>
         <p:spPr>
           <a:xfrm>
-            <a:off x="3713018" y="2124364"/>
-            <a:ext cx="2382982" cy="369332"/>
+            <a:off x="4904509" y="3136612"/>
+            <a:ext cx="2382982" cy="646331"/>
           </a:xfrm>
           <a:prstGeom prst="rect">
             <a:avLst/>
@@ -12720,11 +12721,14 @@
           </a:bodyPr>
           <a:lstStyle/>
           <a:p>
+            <a:pPr algn="ctr"/>
             <a:r>
-              <a:rPr lang="en-US"/>
+              <a:rPr lang="en-US" sz="3600" b="1" dirty="0">
+                <a:latin typeface="Aharoni" panose="02010803020104030203" pitchFamily="2" charset="-79"/>
+                <a:cs typeface="Aharoni" panose="02010803020104030203" pitchFamily="2" charset="-79"/>
+              </a:rPr>
               <a:t>Examples</a:t>
             </a:r>
-            <a:endParaRPr lang="en-US" dirty="0"/>
           </a:p>
         </p:txBody>
       </p:sp>
@@ -12758,8 +12762,8 @@
           <a:chExt cx="0" cy="0"/>
         </a:xfrm>
       </p:grpSpPr>
-      <mc:AlternateContent xmlns:mc="http://schemas.openxmlformats.org/markup-compatibility/2006" xmlns:a14="http://schemas.microsoft.com/office/drawing/2010/main">
-        <mc:Choice Requires="a14">
+      <mc:AlternateContent xmlns:mc="http://schemas.openxmlformats.org/markup-compatibility/2006">
+        <mc:Choice xmlns:a14="http://schemas.microsoft.com/office/drawing/2010/main" Requires="a14">
           <p:sp>
             <p:nvSpPr>
               <p:cNvPr id="3" name="TextBox 2">
@@ -12807,6 +12811,9 @@
                     <m:oMath xmlns:m="http://schemas.openxmlformats.org/officeDocument/2006/math">
                       <m:r>
                         <a:rPr lang="en-US" sz="1800" i="1" smtClean="0">
+                          <a:solidFill>
+                            <a:srgbClr val="FF0000"/>
+                          </a:solidFill>
                           <a:effectLst/>
                           <a:latin typeface="Cambria Math" panose="02040503050406030204" pitchFamily="18" charset="0"/>
                           <a:ea typeface="Calibri" panose="020F0502020204030204" pitchFamily="34" charset="0"/>
@@ -12818,6 +12825,9 @@
                         <m:dPr>
                           <m:ctrlPr>
                             <a:rPr lang="en-US" sz="1800" i="1">
+                              <a:solidFill>
+                                <a:srgbClr val="FF0000"/>
+                              </a:solidFill>
                               <a:effectLst/>
                               <a:latin typeface="Cambria Math" panose="02040503050406030204" pitchFamily="18" charset="0"/>
                               <a:ea typeface="Calibri" panose="020F0502020204030204" pitchFamily="34" charset="0"/>
@@ -12828,6 +12838,9 @@
                         <m:e>
                           <m:r>
                             <a:rPr lang="en-US" sz="1800" i="1">
+                              <a:solidFill>
+                                <a:srgbClr val="FF0000"/>
+                              </a:solidFill>
                               <a:effectLst/>
                               <a:latin typeface="Cambria Math" panose="02040503050406030204" pitchFamily="18" charset="0"/>
                               <a:ea typeface="Calibri" panose="020F0502020204030204" pitchFamily="34" charset="0"/>
@@ -12839,6 +12852,9 @@
                       </m:d>
                       <m:r>
                         <a:rPr lang="en-US" sz="1800" i="1">
+                          <a:solidFill>
+                            <a:srgbClr val="FF0000"/>
+                          </a:solidFill>
                           <a:effectLst/>
                           <a:latin typeface="Cambria Math" panose="02040503050406030204" pitchFamily="18" charset="0"/>
                           <a:ea typeface="Calibri" panose="020F0502020204030204" pitchFamily="34" charset="0"/>
@@ -12850,6 +12866,9 @@
                         <m:funcPr>
                           <m:ctrlPr>
                             <a:rPr lang="en-US" sz="1800" i="1">
+                              <a:solidFill>
+                                <a:srgbClr val="FF0000"/>
+                              </a:solidFill>
                               <a:effectLst/>
                               <a:latin typeface="Cambria Math" panose="02040503050406030204" pitchFamily="18" charset="0"/>
                               <a:ea typeface="Calibri" panose="020F0502020204030204" pitchFamily="34" charset="0"/>
@@ -12863,6 +12882,9 @@
                               <m:sty m:val="p"/>
                             </m:rPr>
                             <a:rPr lang="en-US" sz="1800">
+                              <a:solidFill>
+                                <a:srgbClr val="FF0000"/>
+                              </a:solidFill>
                               <a:effectLst/>
                               <a:latin typeface="Cambria Math" panose="02040503050406030204" pitchFamily="18" charset="0"/>
                               <a:ea typeface="Calibri" panose="020F0502020204030204" pitchFamily="34" charset="0"/>
@@ -12876,6 +12898,9 @@
                             <m:dPr>
                               <m:ctrlPr>
                                 <a:rPr lang="en-US" sz="1800" i="1">
+                                  <a:solidFill>
+                                    <a:srgbClr val="FF0000"/>
+                                  </a:solidFill>
                                   <a:effectLst/>
                                   <a:latin typeface="Cambria Math" panose="02040503050406030204" pitchFamily="18" charset="0"/>
                                   <a:ea typeface="Calibri" panose="020F0502020204030204" pitchFamily="34" charset="0"/>
@@ -12886,6 +12911,9 @@
                             <m:e>
                               <m:r>
                                 <a:rPr lang="en-US" sz="1800" i="1">
+                                  <a:solidFill>
+                                    <a:srgbClr val="FF0000"/>
+                                  </a:solidFill>
                                   <a:effectLst/>
                                   <a:latin typeface="Cambria Math" panose="02040503050406030204" pitchFamily="18" charset="0"/>
                                   <a:ea typeface="Calibri" panose="020F0502020204030204" pitchFamily="34" charset="0"/>
@@ -12895,6 +12923,9 @@
                               </m:r>
                               <m:r>
                                 <a:rPr lang="en-US" sz="1800" i="1">
+                                  <a:solidFill>
+                                    <a:srgbClr val="FF0000"/>
+                                  </a:solidFill>
                                   <a:effectLst/>
                                   <a:latin typeface="Cambria Math" panose="02040503050406030204" pitchFamily="18" charset="0"/>
                                   <a:ea typeface="Calibri" panose="020F0502020204030204" pitchFamily="34" charset="0"/>
@@ -12904,6 +12935,9 @@
                               </m:r>
                               <m:r>
                                 <a:rPr lang="en-US" sz="1800" i="1">
+                                  <a:solidFill>
+                                    <a:srgbClr val="FF0000"/>
+                                  </a:solidFill>
                                   <a:effectLst/>
                                   <a:latin typeface="Cambria Math" panose="02040503050406030204" pitchFamily="18" charset="0"/>
                                   <a:ea typeface="Calibri" panose="020F0502020204030204" pitchFamily="34" charset="0"/>
@@ -12919,6 +12953,9 @@
                         <m:dPr>
                           <m:ctrlPr>
                             <a:rPr lang="en-US" sz="1800" i="1">
+                              <a:solidFill>
+                                <a:srgbClr val="FF0000"/>
+                              </a:solidFill>
                               <a:effectLst/>
                               <a:latin typeface="Cambria Math" panose="02040503050406030204" pitchFamily="18" charset="0"/>
                               <a:ea typeface="Calibri" panose="020F0502020204030204" pitchFamily="34" charset="0"/>
@@ -12929,6 +12966,9 @@
                         <m:e>
                           <m:r>
                             <a:rPr lang="en-US" sz="1800" i="1">
+                              <a:solidFill>
+                                <a:srgbClr val="FF0000"/>
+                              </a:solidFill>
                               <a:effectLst/>
                               <a:latin typeface="Cambria Math" panose="02040503050406030204" pitchFamily="18" charset="0"/>
                               <a:ea typeface="Calibri" panose="020F0502020204030204" pitchFamily="34" charset="0"/>
@@ -12938,6 +12978,9 @@
                           </m:r>
                           <m:r>
                             <a:rPr lang="en-US" sz="1800">
+                              <a:solidFill>
+                                <a:srgbClr val="FF0000"/>
+                              </a:solidFill>
                               <a:effectLst/>
                               <a:latin typeface="Cambria Math" panose="02040503050406030204" pitchFamily="18" charset="0"/>
                               <a:ea typeface="Calibri" panose="020F0502020204030204" pitchFamily="34" charset="0"/>
@@ -12949,6 +12992,9 @@
                             <m:sSupPr>
                               <m:ctrlPr>
                                 <a:rPr lang="en-US" sz="1800" i="1">
+                                  <a:solidFill>
+                                    <a:srgbClr val="FF0000"/>
+                                  </a:solidFill>
                                   <a:effectLst/>
                                   <a:latin typeface="Cambria Math" panose="02040503050406030204" pitchFamily="18" charset="0"/>
                                   <a:ea typeface="Calibri" panose="020F0502020204030204" pitchFamily="34" charset="0"/>
@@ -12959,6 +13005,9 @@
                             <m:e>
                               <m:r>
                                 <a:rPr lang="en-US" sz="1800" i="1">
+                                  <a:solidFill>
+                                    <a:srgbClr val="FF0000"/>
+                                  </a:solidFill>
                                   <a:effectLst/>
                                   <a:latin typeface="Cambria Math" panose="02040503050406030204" pitchFamily="18" charset="0"/>
                                   <a:ea typeface="Calibri" panose="020F0502020204030204" pitchFamily="34" charset="0"/>
@@ -12970,6 +13019,9 @@
                             <m:sup>
                               <m:r>
                                 <a:rPr lang="en-US" sz="1800" i="1">
+                                  <a:solidFill>
+                                    <a:srgbClr val="FF0000"/>
+                                  </a:solidFill>
                                   <a:effectLst/>
                                   <a:latin typeface="Cambria Math" panose="02040503050406030204" pitchFamily="18" charset="0"/>
                                   <a:ea typeface="Calibri" panose="020F0502020204030204" pitchFamily="34" charset="0"/>
@@ -12983,6 +13035,9 @@
                             <m:sSupPr>
                               <m:ctrlPr>
                                 <a:rPr lang="en-US" sz="1800" i="1">
+                                  <a:solidFill>
+                                    <a:srgbClr val="FF0000"/>
+                                  </a:solidFill>
                                   <a:effectLst/>
                                   <a:latin typeface="Cambria Math" panose="02040503050406030204" pitchFamily="18" charset="0"/>
                                   <a:ea typeface="Calibri" panose="020F0502020204030204" pitchFamily="34" charset="0"/>
@@ -12993,6 +13048,9 @@
                             <m:e>
                               <m:r>
                                 <a:rPr lang="en-US" sz="1800" i="1">
+                                  <a:solidFill>
+                                    <a:srgbClr val="FF0000"/>
+                                  </a:solidFill>
                                   <a:effectLst/>
                                   <a:latin typeface="Cambria Math" panose="02040503050406030204" pitchFamily="18" charset="0"/>
                                   <a:ea typeface="Calibri" panose="020F0502020204030204" pitchFamily="34" charset="0"/>
@@ -13004,6 +13062,9 @@
                             <m:sup>
                               <m:r>
                                 <a:rPr lang="en-US" sz="1800" i="1">
+                                  <a:solidFill>
+                                    <a:srgbClr val="FF0000"/>
+                                  </a:solidFill>
                                   <a:effectLst/>
                                   <a:latin typeface="Cambria Math" panose="02040503050406030204" pitchFamily="18" charset="0"/>
                                   <a:ea typeface="Calibri" panose="020F0502020204030204" pitchFamily="34" charset="0"/>
@@ -13015,6 +13076,9 @@
                           </m:sSup>
                           <m:r>
                             <a:rPr lang="en-US" sz="1800" i="1">
+                              <a:solidFill>
+                                <a:srgbClr val="FF0000"/>
+                              </a:solidFill>
                               <a:effectLst/>
                               <a:latin typeface="Cambria Math" panose="02040503050406030204" pitchFamily="18" charset="0"/>
                               <a:ea typeface="Calibri" panose="020F0502020204030204" pitchFamily="34" charset="0"/>
@@ -13026,6 +13090,9 @@
                             <m:sSupPr>
                               <m:ctrlPr>
                                 <a:rPr lang="en-US" sz="1800" i="1">
+                                  <a:solidFill>
+                                    <a:srgbClr val="FF0000"/>
+                                  </a:solidFill>
                                   <a:effectLst/>
                                   <a:latin typeface="Cambria Math" panose="02040503050406030204" pitchFamily="18" charset="0"/>
                                   <a:ea typeface="Calibri" panose="020F0502020204030204" pitchFamily="34" charset="0"/>
@@ -13036,6 +13103,9 @@
                             <m:e>
                               <m:r>
                                 <a:rPr lang="en-US" sz="1800" i="1">
+                                  <a:solidFill>
+                                    <a:srgbClr val="FF0000"/>
+                                  </a:solidFill>
                                   <a:effectLst/>
                                   <a:latin typeface="Cambria Math" panose="02040503050406030204" pitchFamily="18" charset="0"/>
                                   <a:ea typeface="Calibri" panose="020F0502020204030204" pitchFamily="34" charset="0"/>
@@ -13047,6 +13117,9 @@
                             <m:sup>
                               <m:r>
                                 <a:rPr lang="en-US" sz="1800" i="1">
+                                  <a:solidFill>
+                                    <a:srgbClr val="FF0000"/>
+                                  </a:solidFill>
                                   <a:effectLst/>
                                   <a:latin typeface="Cambria Math" panose="02040503050406030204" pitchFamily="18" charset="0"/>
                                   <a:ea typeface="Calibri" panose="020F0502020204030204" pitchFamily="34" charset="0"/>
@@ -13058,6 +13131,9 @@
                           </m:sSup>
                           <m:r>
                             <a:rPr lang="en-US" sz="1800" i="1">
+                              <a:solidFill>
+                                <a:srgbClr val="FF0000"/>
+                              </a:solidFill>
                               <a:effectLst/>
                               <a:latin typeface="Cambria Math" panose="02040503050406030204" pitchFamily="18" charset="0"/>
                               <a:ea typeface="Calibri" panose="020F0502020204030204" pitchFamily="34" charset="0"/>
@@ -13067,6 +13143,9 @@
                           </m:r>
                           <m:r>
                             <a:rPr lang="en-US" sz="1800">
+                              <a:solidFill>
+                                <a:srgbClr val="FF0000"/>
+                              </a:solidFill>
                               <a:effectLst/>
                               <a:latin typeface="Cambria Math" panose="02040503050406030204" pitchFamily="18" charset="0"/>
                               <a:ea typeface="Calibri" panose="020F0502020204030204" pitchFamily="34" charset="0"/>
@@ -13078,6 +13157,9 @@
                             <m:sSupPr>
                               <m:ctrlPr>
                                 <a:rPr lang="en-US" sz="1800" i="1">
+                                  <a:solidFill>
+                                    <a:srgbClr val="FF0000"/>
+                                  </a:solidFill>
                                   <a:effectLst/>
                                   <a:latin typeface="Cambria Math" panose="02040503050406030204" pitchFamily="18" charset="0"/>
                                   <a:ea typeface="Calibri" panose="020F0502020204030204" pitchFamily="34" charset="0"/>
@@ -13088,6 +13170,9 @@
                             <m:e>
                               <m:r>
                                 <a:rPr lang="en-US" sz="1800" i="1">
+                                  <a:solidFill>
+                                    <a:srgbClr val="FF0000"/>
+                                  </a:solidFill>
                                   <a:effectLst/>
                                   <a:latin typeface="Cambria Math" panose="02040503050406030204" pitchFamily="18" charset="0"/>
                                   <a:ea typeface="Calibri" panose="020F0502020204030204" pitchFamily="34" charset="0"/>
@@ -13099,6 +13184,9 @@
                             <m:sup>
                               <m:r>
                                 <a:rPr lang="en-US" sz="1800" i="1">
+                                  <a:solidFill>
+                                    <a:srgbClr val="FF0000"/>
+                                  </a:solidFill>
                                   <a:effectLst/>
                                   <a:latin typeface="Cambria Math" panose="02040503050406030204" pitchFamily="18" charset="0"/>
                                   <a:ea typeface="Calibri" panose="020F0502020204030204" pitchFamily="34" charset="0"/>
@@ -13112,6 +13200,9 @@
                             <m:sSupPr>
                               <m:ctrlPr>
                                 <a:rPr lang="en-US" sz="1800" i="1">
+                                  <a:solidFill>
+                                    <a:srgbClr val="FF0000"/>
+                                  </a:solidFill>
                                   <a:effectLst/>
                                   <a:latin typeface="Cambria Math" panose="02040503050406030204" pitchFamily="18" charset="0"/>
                                   <a:ea typeface="Calibri" panose="020F0502020204030204" pitchFamily="34" charset="0"/>
@@ -13122,6 +13213,9 @@
                             <m:e>
                               <m:r>
                                 <a:rPr lang="en-US" sz="1800" i="1">
+                                  <a:solidFill>
+                                    <a:srgbClr val="FF0000"/>
+                                  </a:solidFill>
                                   <a:effectLst/>
                                   <a:latin typeface="Cambria Math" panose="02040503050406030204" pitchFamily="18" charset="0"/>
                                   <a:ea typeface="Calibri" panose="020F0502020204030204" pitchFamily="34" charset="0"/>
@@ -13133,6 +13227,9 @@
                             <m:sup>
                               <m:r>
                                 <a:rPr lang="en-US" sz="1800" i="1">
+                                  <a:solidFill>
+                                    <a:srgbClr val="FF0000"/>
+                                  </a:solidFill>
                                   <a:effectLst/>
                                   <a:latin typeface="Cambria Math" panose="02040503050406030204" pitchFamily="18" charset="0"/>
                                   <a:ea typeface="Calibri" panose="020F0502020204030204" pitchFamily="34" charset="0"/>
@@ -13146,6 +13243,9 @@
                       </m:d>
                       <m:r>
                         <a:rPr lang="en-US" sz="1800" i="1">
+                          <a:solidFill>
+                            <a:srgbClr val="FF0000"/>
+                          </a:solidFill>
                           <a:effectLst/>
                           <a:latin typeface="Cambria Math" panose="02040503050406030204" pitchFamily="18" charset="0"/>
                           <a:ea typeface="Calibri" panose="020F0502020204030204" pitchFamily="34" charset="0"/>
@@ -13157,6 +13257,9 @@
                   </m:oMathPara>
                 </a14:m>
                 <a:endParaRPr lang="en-US" sz="1800" dirty="0">
+                  <a:solidFill>
+                    <a:srgbClr val="FF0000"/>
+                  </a:solidFill>
                   <a:effectLst/>
                   <a:latin typeface="Calibri" panose="020F0502020204030204" pitchFamily="34" charset="0"/>
                   <a:ea typeface="Calibri" panose="020F0502020204030204" pitchFamily="34" charset="0"/>
@@ -13194,7 +13297,7 @@
             </p:txBody>
           </p:sp>
         </mc:Choice>
-        <mc:Fallback xmlns="">
+        <mc:Fallback>
           <p:sp>
             <p:nvSpPr>
               <p:cNvPr id="3" name="TextBox 2">
@@ -13441,6 +13544,9 @@
                     <m:oMath xmlns:m="http://schemas.openxmlformats.org/officeDocument/2006/math">
                       <m:r>
                         <a:rPr lang="en-US" sz="1800" i="1" smtClean="0">
+                          <a:solidFill>
+                            <a:srgbClr val="FF0000"/>
+                          </a:solidFill>
                           <a:effectLst/>
                           <a:latin typeface="Cambria Math" panose="02040503050406030204" pitchFamily="18" charset="0"/>
                           <a:ea typeface="DengXian" panose="02010600030101010101" pitchFamily="2" charset="-122"/>
@@ -13452,6 +13558,9 @@
                         <m:dPr>
                           <m:ctrlPr>
                             <a:rPr lang="en-US" sz="1800" i="1">
+                              <a:solidFill>
+                                <a:srgbClr val="FF0000"/>
+                              </a:solidFill>
                               <a:effectLst/>
                               <a:latin typeface="Cambria Math" panose="02040503050406030204" pitchFamily="18" charset="0"/>
                               <a:ea typeface="DengXian" panose="02010600030101010101" pitchFamily="2" charset="-122"/>
@@ -13462,6 +13571,9 @@
                         <m:e>
                           <m:r>
                             <a:rPr lang="en-US" sz="1800" i="1">
+                              <a:solidFill>
+                                <a:srgbClr val="FF0000"/>
+                              </a:solidFill>
                               <a:effectLst/>
                               <a:latin typeface="Cambria Math" panose="02040503050406030204" pitchFamily="18" charset="0"/>
                               <a:ea typeface="DengXian" panose="02010600030101010101" pitchFamily="2" charset="-122"/>
@@ -13473,6 +13585,9 @@
                       </m:d>
                       <m:r>
                         <a:rPr lang="en-US" sz="1800" i="1">
+                          <a:solidFill>
+                            <a:srgbClr val="FF0000"/>
+                          </a:solidFill>
                           <a:effectLst/>
                           <a:latin typeface="Cambria Math" panose="02040503050406030204" pitchFamily="18" charset="0"/>
                           <a:ea typeface="DengXian" panose="02010600030101010101" pitchFamily="2" charset="-122"/>
@@ -13482,6 +13597,9 @@
                       </m:r>
                       <m:r>
                         <a:rPr lang="en-US" sz="1800" i="1">
+                          <a:solidFill>
+                            <a:srgbClr val="FF0000"/>
+                          </a:solidFill>
                           <a:effectLst/>
                           <a:latin typeface="Cambria Math" panose="02040503050406030204" pitchFamily="18" charset="0"/>
                           <a:ea typeface="DengXian" panose="02010600030101010101" pitchFamily="2" charset="-122"/>
@@ -13491,6 +13609,9 @@
                       </m:r>
                       <m:r>
                         <a:rPr lang="en-US" sz="1800" i="1">
+                          <a:solidFill>
+                            <a:srgbClr val="FF0000"/>
+                          </a:solidFill>
                           <a:effectLst/>
                           <a:latin typeface="Cambria Math" panose="02040503050406030204" pitchFamily="18" charset="0"/>
                           <a:ea typeface="DengXian" panose="02010600030101010101" pitchFamily="2" charset="-122"/>
@@ -13502,6 +13623,9 @@
                   </m:oMathPara>
                 </a14:m>
                 <a:endParaRPr lang="en-US" sz="1800" dirty="0">
+                  <a:solidFill>
+                    <a:srgbClr val="FF0000"/>
+                  </a:solidFill>
                   <a:effectLst/>
                   <a:latin typeface="Calibri" panose="020F0502020204030204" pitchFamily="34" charset="0"/>
                   <a:ea typeface="Calibri" panose="020F0502020204030204" pitchFamily="34" charset="0"/>
@@ -13629,7 +13753,7 @@
         <p:spPr>
           <a:xfrm>
             <a:off x="2265680" y="3044279"/>
-            <a:ext cx="7660640" cy="769441"/>
+            <a:ext cx="7660640" cy="830997"/>
           </a:xfrm>
           <a:prstGeom prst="rect">
             <a:avLst/>
@@ -13644,13 +13768,13 @@
           <a:p>
             <a:pPr algn="ctr"/>
             <a:r>
-              <a:rPr lang="en-US" sz="4400" dirty="0">
+              <a:rPr lang="en-US" sz="4800" dirty="0">
                 <a:latin typeface="Aharoni" panose="02010803020104030203" pitchFamily="2" charset="-79"/>
                 <a:cs typeface="Aharoni" panose="02010803020104030203" pitchFamily="2" charset="-79"/>
               </a:rPr>
               <a:t>Symbolic Regression</a:t>
             </a:r>
-            <a:endParaRPr lang="en-US" sz="3200" dirty="0">
+            <a:endParaRPr lang="en-US" sz="3600" dirty="0">
               <a:latin typeface="Aharoni" panose="02010803020104030203" pitchFamily="2" charset="-79"/>
               <a:cs typeface="Aharoni" panose="02010803020104030203" pitchFamily="2" charset="-79"/>
             </a:endParaRPr>
@@ -13766,6 +13890,9 @@
                     <m:oMath xmlns:m="http://schemas.openxmlformats.org/officeDocument/2006/math">
                       <m:r>
                         <a:rPr lang="en-US" sz="1800" i="1" smtClean="0">
+                          <a:solidFill>
+                            <a:srgbClr val="FF0000"/>
+                          </a:solidFill>
                           <a:effectLst/>
                           <a:latin typeface="Cambria Math" panose="02040503050406030204" pitchFamily="18" charset="0"/>
                           <a:ea typeface="DengXian" panose="02010600030101010101" pitchFamily="2" charset="-122"/>
@@ -13777,6 +13904,9 @@
                         <m:dPr>
                           <m:ctrlPr>
                             <a:rPr lang="en-US" sz="1800" i="1">
+                              <a:solidFill>
+                                <a:srgbClr val="FF0000"/>
+                              </a:solidFill>
                               <a:effectLst/>
                               <a:latin typeface="Cambria Math" panose="02040503050406030204" pitchFamily="18" charset="0"/>
                               <a:ea typeface="DengXian" panose="02010600030101010101" pitchFamily="2" charset="-122"/>
@@ -13787,6 +13917,9 @@
                         <m:e>
                           <m:r>
                             <a:rPr lang="en-US" sz="1800" i="1">
+                              <a:solidFill>
+                                <a:srgbClr val="FF0000"/>
+                              </a:solidFill>
                               <a:effectLst/>
                               <a:latin typeface="Cambria Math" panose="02040503050406030204" pitchFamily="18" charset="0"/>
                               <a:ea typeface="DengXian" panose="02010600030101010101" pitchFamily="2" charset="-122"/>
@@ -13798,6 +13931,9 @@
                       </m:d>
                       <m:r>
                         <a:rPr lang="en-US" sz="1800" i="1">
+                          <a:solidFill>
+                            <a:srgbClr val="FF0000"/>
+                          </a:solidFill>
                           <a:effectLst/>
                           <a:latin typeface="Cambria Math" panose="02040503050406030204" pitchFamily="18" charset="0"/>
                           <a:ea typeface="DengXian" panose="02010600030101010101" pitchFamily="2" charset="-122"/>
@@ -13809,6 +13945,9 @@
                         <m:sSupPr>
                           <m:ctrlPr>
                             <a:rPr lang="en-US" sz="1800" i="1">
+                              <a:solidFill>
+                                <a:srgbClr val="FF0000"/>
+                              </a:solidFill>
                               <a:effectLst/>
                               <a:latin typeface="Cambria Math" panose="02040503050406030204" pitchFamily="18" charset="0"/>
                               <a:ea typeface="DengXian" panose="02010600030101010101" pitchFamily="2" charset="-122"/>
@@ -13819,6 +13958,9 @@
                         <m:e>
                           <m:r>
                             <a:rPr lang="en-US" sz="1800" i="1">
+                              <a:solidFill>
+                                <a:srgbClr val="FF0000"/>
+                              </a:solidFill>
                               <a:effectLst/>
                               <a:latin typeface="Cambria Math" panose="02040503050406030204" pitchFamily="18" charset="0"/>
                               <a:ea typeface="DengXian" panose="02010600030101010101" pitchFamily="2" charset="-122"/>
@@ -13830,6 +13972,9 @@
                         <m:sup>
                           <m:r>
                             <a:rPr lang="en-US" sz="1800" i="1">
+                              <a:solidFill>
+                                <a:srgbClr val="FF0000"/>
+                              </a:solidFill>
                               <a:effectLst/>
                               <a:latin typeface="Cambria Math" panose="02040503050406030204" pitchFamily="18" charset="0"/>
                               <a:ea typeface="DengXian" panose="02010600030101010101" pitchFamily="2" charset="-122"/>
@@ -13841,6 +13986,9 @@
                       </m:sSup>
                       <m:r>
                         <a:rPr lang="en-US" sz="1800" i="1">
+                          <a:solidFill>
+                            <a:srgbClr val="FF0000"/>
+                          </a:solidFill>
                           <a:effectLst/>
                           <a:latin typeface="Cambria Math" panose="02040503050406030204" pitchFamily="18" charset="0"/>
                           <a:ea typeface="DengXian" panose="02010600030101010101" pitchFamily="2" charset="-122"/>
@@ -13852,6 +14000,9 @@
                         <m:sSupPr>
                           <m:ctrlPr>
                             <a:rPr lang="en-US" sz="1800" i="1">
+                              <a:solidFill>
+                                <a:srgbClr val="FF0000"/>
+                              </a:solidFill>
                               <a:effectLst/>
                               <a:latin typeface="Cambria Math" panose="02040503050406030204" pitchFamily="18" charset="0"/>
                               <a:ea typeface="DengXian" panose="02010600030101010101" pitchFamily="2" charset="-122"/>
@@ -13862,6 +14013,9 @@
                         <m:e>
                           <m:r>
                             <a:rPr lang="en-US" sz="1800" i="1">
+                              <a:solidFill>
+                                <a:srgbClr val="FF0000"/>
+                              </a:solidFill>
                               <a:effectLst/>
                               <a:latin typeface="Cambria Math" panose="02040503050406030204" pitchFamily="18" charset="0"/>
                               <a:ea typeface="DengXian" panose="02010600030101010101" pitchFamily="2" charset="-122"/>
@@ -13873,6 +14027,9 @@
                         <m:sup>
                           <m:r>
                             <a:rPr lang="en-US" sz="1800" i="1">
+                              <a:solidFill>
+                                <a:srgbClr val="FF0000"/>
+                              </a:solidFill>
                               <a:effectLst/>
                               <a:latin typeface="Cambria Math" panose="02040503050406030204" pitchFamily="18" charset="0"/>
                               <a:ea typeface="DengXian" panose="02010600030101010101" pitchFamily="2" charset="-122"/>
@@ -13884,6 +14041,9 @@
                       </m:sSup>
                       <m:r>
                         <a:rPr lang="en-US" sz="1800" i="1">
+                          <a:solidFill>
+                            <a:srgbClr val="FF0000"/>
+                          </a:solidFill>
                           <a:effectLst/>
                           <a:latin typeface="Cambria Math" panose="02040503050406030204" pitchFamily="18" charset="0"/>
                           <a:ea typeface="DengXian" panose="02010600030101010101" pitchFamily="2" charset="-122"/>
@@ -13893,6 +14053,9 @@
                       </m:r>
                       <m:r>
                         <a:rPr lang="en-US" sz="1800" i="1">
+                          <a:solidFill>
+                            <a:srgbClr val="FF0000"/>
+                          </a:solidFill>
                           <a:effectLst/>
                           <a:latin typeface="Cambria Math" panose="02040503050406030204" pitchFamily="18" charset="0"/>
                           <a:ea typeface="DengXian" panose="02010600030101010101" pitchFamily="2" charset="-122"/>
@@ -13904,6 +14067,9 @@
                   </m:oMathPara>
                 </a14:m>
                 <a:endParaRPr lang="en-US" sz="1800" dirty="0">
+                  <a:solidFill>
+                    <a:srgbClr val="FF0000"/>
+                  </a:solidFill>
                   <a:effectLst/>
                   <a:latin typeface="Calibri" panose="020F0502020204030204" pitchFamily="34" charset="0"/>
                   <a:ea typeface="Calibri" panose="020F0502020204030204" pitchFamily="34" charset="0"/>
@@ -14018,6 +14184,314 @@
       </p:grpSpPr>
       <p:pic>
         <p:nvPicPr>
+          <p:cNvPr id="2" name="Picture 2" descr="1/9 (7 - log(14)/7) + log(8 log(4))">
+            <a:extLst>
+              <a:ext uri="{FF2B5EF4-FFF2-40B4-BE49-F238E27FC236}">
+                <a16:creationId xmlns:a16="http://schemas.microsoft.com/office/drawing/2014/main" id="{75E33566-2FD7-479B-157A-760901DBFF8B}"/>
+              </a:ext>
+            </a:extLst>
+          </p:cNvPr>
+          <p:cNvPicPr>
+            <a:picLocks noChangeAspect="1" noChangeArrowheads="1"/>
+          </p:cNvPicPr>
+          <p:nvPr/>
+        </p:nvPicPr>
+        <p:blipFill>
+          <a:blip r:embed="rId2">
+            <a:extLst>
+              <a:ext uri="{28A0092B-C50C-407E-A947-70E740481C1C}">
+                <a14:useLocalDpi xmlns:a14="http://schemas.microsoft.com/office/drawing/2010/main" val="0"/>
+              </a:ext>
+            </a:extLst>
+          </a:blip>
+          <a:srcRect/>
+          <a:stretch>
+            <a:fillRect/>
+          </a:stretch>
+        </p:blipFill>
+        <p:spPr bwMode="auto">
+          <a:xfrm>
+            <a:off x="2079943" y="2167780"/>
+            <a:ext cx="3772217" cy="739279"/>
+          </a:xfrm>
+          <a:prstGeom prst="rect">
+            <a:avLst/>
+          </a:prstGeom>
+          <a:noFill/>
+          <a:extLst>
+            <a:ext uri="{909E8E84-426E-40DD-AFC4-6F175D3DCCD1}">
+              <a14:hiddenFill xmlns:a14="http://schemas.microsoft.com/office/drawing/2010/main">
+                <a:solidFill>
+                  <a:srgbClr val="FFFFFF"/>
+                </a:solidFill>
+              </a14:hiddenFill>
+            </a:ext>
+          </a:extLst>
+        </p:spPr>
+      </p:pic>
+      <p:pic>
+        <p:nvPicPr>
+          <p:cNvPr id="3" name="Picture 6" descr="data:image/gif;base64,R0lGODlhDAITAPcAAAAAAAICAgMDAwUFBQgICA0NDQ4ODg8PDxAQEBERERISEhMTExYWFhcXFxgYGBkZGRsbGx4eHh8fHyAgICIiIiMjIyQkJCUlJScnJygoKCoqKisrKywsLC4uLjAwMDIyMjQ0NDU1NTY2Njc3Nzk5OTs7Ozw8PD09PT4+Pj8/P0BAQEFBQUJCQkNDQ0REREVFRUZGRkdHR0lJSUpKSktLS01NTU5OTk9PT1BQUFFRUVNTU1RUVFVVVVZWVldXV1hYWFlZWVpaWltbW1xcXF1dXV5eXl9fX2FhYWJiYmNjY2RkZGdnZ2lpaWtra25ubm9vb3BwcHFxcXJycnR0dHV1dXZ2dnd3d3l5eXt7e3x8fH9/f4CAgIKCgoSEhIWFhYaGhoeHh4mJiYqKio2NjY6OjpCQkJGRkZKSkpOTk5SUlJaWlpeXl5qampycnJ2dnZ6enp+fn6CgoKKioqOjo6Wlpaampqenp6ioqKmpqaqqqqurq6ysrK6urq+vr7KysrW1tba2tre3t7i4uLq6ury8vL29vb6+vr+/v8DAwMLCwsPDw8TExMbGxsfHx8nJycrKysvLy8zMzM3Nzc7Ozs/Pz9LS0tPT09TU1NXV1dbW1tfX19jY2NnZ2dra2tvb29zc3N3d3d7e3t/f3+Dg4OLi4uXl5efn5+jo6Onp6erq6uvr6+zs7O3t7e7u7u/v7/Dw8PHx8fLy8vPz8/T09PX19fb29vf39/j4+Pn5+fr6+vv7+/z8/P39/f7+/v///wAAAAAAAAAAAAAAAAAAAAAAAAAAAAAAAAAAAAAAAAAAAAAAAAAAAAAAAAAAAAAAAAAAAAAAAAAAAAAAAAAAAAAAAAAAAAAAAAAAAAAAAAAAAAAAAAAAAAAAAAAAAAAAAAAAAAAAAAAAAAAAAAAAAAAAAAAAAAAAAAAAAAAAAAAAAAAAAAAAAAAAAAAAAAAAAAAAAAAAAAAAAAAAAAAAAAAAAAAAAAAAAAAAAAAAAAAAAAAAAAAAAAAAAAAAAAAAAAAAACwAAAAADAITAAAI/wB9CRxIsKDBgwgTKlzIsKHDhxAjSpxIsaLFixgzatzIsaPHjyBDihxJsqTJkyhTqlzJsqXLlzBjypxJs6bNmzhz6tzJs6fPn0B/6qrDREvQlUOLEkxqdCJTkk+PSvUYdarDqh8r1SBxoYcpg6zoAEGwyqArDHEEhh1bVmCtKy1UsJg00JMJK5VuCdTK1atABAACB2bgC5cVEipeYBooJgWLIa8EbhEMYIJkypZ98e361ddasgM/t/U16ocJDDQ4CTSMWDFjx5AvC87syy5evQJt5y14Nq3Axo8j57672xdgyoQ3+yXYW3Zg2rpxix54XDDhgc2NUwZAePJs55Xdwv+VS9ezWNB/txOuPpi0adSqfb2NO3fvVs680ao9P9r7c/CZlXZaagAWONxtAgkI32qHJbaYeWwNNB95rwXHYGsPYqdfYQ26xtyGvgAX24HFKUigfOPV9xtswoXIoi+2KFCHL7OMQINBfbRxBgCjCZSLCwf4luOOo+2wgy6+0FFAKr7E8gAfBMU4Y403+jLBJ1h+4oMXvlzxAi6+uEFBL76AAYItvmQRgmRWXOJmfFu0+SaMMtJoo0BD8jhQnqNh0EVhNViApJdgikmmmWiqyaabl8TnJJQEPXrQj0EKhGiaazb5ZEFXZrmllHZW6SOQvsXJqKObEsTnQJ1iueVAlPr/1qqWXJo6py+2NiqQkUgqyeSqAs36qrBc+gmooL7wmuSSoFJJUKx46qjnorfmGp+xuASKpLXU6qoppANhq22XX4Y5pi/AJnvkskxeqii5hZ47aqXwmkvmvL65m6mkBImLrLK+lnkmppYOrCguNFAiEBkIIITItAMlAYYJvgn0cFuaAKCwQBaE4csUNxSE8MYMCyTHQKNEMIsvHqAhUCwAnFLLAjP68soAguBahkFb7EzQyAs3PNDFBRHtCy8q3CEQIABcwrLLTcY8c80359yzQSBjHfJBElMsH80CVf3x1gSdnKDKQPtScsQTl+ozQVkfZLQvZpOmMtte043y3VcX/9T3QBlv7EvHQ0Ncd8orH64y0kr7wvQlgQ/UcdprC9R1xb7M/fdAmx+d9NJN68zz2wPFPRDjoDvd8ssxF46xxpKHMXXYOD/N+il4+7Z61Lhb3vbXVNduukCoO9505BzLDrbNOM/OfM4ELSGDwxCHSIQveVs8bR8AqDIQDUj4kgAWRWjAwh8GSW+QEWkIBMQJtPiyCAa+OAJAKAN1YIXofpOe/vSuK1r1BlKHALjCF++L3/zqd7/87a9z4iOf+dAXwfKdjzHX85r98CcQ/VVwgutrX0HU95sMus0g47MgBbXXo4GwD4PYw5xAXsg/gnSOe94TCPgCGMIeFqSArsDh9//CFz0AWi+GBNGc/2p4ECAyUTJLTCEIf2hABMJPfvTjoRB1iIQNOtCKCsziEfOWQCzCUIMN7OD+pHhBKgaxe0P0ohrl6AsP+qIXcGiCEVrIQ3SZQC/Zy9y0IAGARQwEBlFABQCeAIpYqAEAhRAIHvXYQktUAEy+6MQGLkAG1+gBALEYCAt+gKsMOEABNHjQFkyJygxNco9JHODcCGKDIQhEk5z0JChFScpVnjKVvlAkIx0JSWE28pGR7MMfkfjJUApklMYkZiQHYklM3jGPsPQjIEvFSmBGE5l9pOYl8bTMQPqimpLppirV6QtCGlIgiAynQNBJEHrS0pbuPGQUJIn/zbYoc5ux7A87S/nLDA2kluksaEJbGcxFHhOSBUFoJjfZSYMaLZ/wjEIzeTnRXD7on0jsaEXJCdCNPvMH34ToPdtZSH2a1BejfOkoiceFNRQBagYxWiQ0gAqBBNJovSgBCDKhijw04A2MAMAmBjIDG9DUpjgViA3mMBAnnOEWbVBBHnyRBwDIYiArIKVAdiEJEkDgq2Mt61mfetOACpCPbOCAcKyKVa1y1atgFasvyGpWWSR1qQJp6l+ZaoOd9hSJXUWrL8I62MA69aBUPV1N22pYn2KOr2dtrC+aKk9fTFUglQ0pZAuCWcWWNqhDLepRO/vZiEaWIHGNDGqJatQ3/7DVZaH96QBLOxDeDiS2BPHtXtXqV6USFrZyFQhds7pVHs5WtW9IbF59sVy75tY31d3qde+qWMYa17HIla1QaXtU6QokrOZdrF4FUgoAKEJu01KCAAhAXwAMgABtmRssqICCJFTBAKjoBAAaMRAqeKAg7X2vQBjBAV4IZBEH2EXYHAAI+4nii/VUKTU1zF73ynOWvjADDIQDYQnbjMIWxvCGCyFgAgvEwC0usAfkS18C2JcAgwDAhdUY4xcfeMENPkiCaVzf+/bIEpDssS8MLE8GO9gXRLaxkYH85IIgeZor9sV++/vfwwqyhU4uSJgJIuIWbdm/AEawe6N84/wOcP+eHD6nhst8kCtbOckDlvFA6Cy/CE8YEH08c5dTrMYS/5nN9/2Dn08MCETjWMcOVDKTBcJnLfMXzaggdB2toGn90WIPAwkFAA4BXz6K9ssG0YUKPJaLBKxhIDwYwqdDPeqBoMAPAyHEAwhSgi7MzA60C4QvFAsKACyG2MaetUBETWoWvvV0UDhCLjxjCF3z2tcLADbzhI1sTLT61QKJ9bdhbUuCeO3XwR53uMvti1sPRNm+YHZB8tZtdfsi1vJ090ECqW+BdHvYAym2QVXtsXzjuiD9Plq0p80KQyxl1b6At7zNjbm5/fvfvFg4tQEuEIFz3BcCtze+My5talt7IL3/7izBv6btmwXi5AJJOcV9AXNfyHwg5852ul1NboWXvOEP9xi6tz10lzMNEr7IhRBAAKYrBMGtBtFtC3ExBCEgyRdjyEArfBEJA2Ti6ElfOiYBQQKCyEICUEtEAjrhiy+EQC+K6oQASL2LI9ygF3Knu917AXalM/3D06IFDnxgCTepAQpnT/va2/52guV9r3vHuta57nXJb73rmZi3b9wO90xl/fKVd1zZB9J3sWs+k3OH/N0tT/nMO5v0o993xchOkMfX/e62j/xqqn711y8t9rAniOAJb3goDITqVjce0v1uTctCPfe4T/3tezH8wl/i8NDHu/Qj//nWV7/4iReI/9rZ7vvdJ5/xnR822sW/+JmH3xfjPz36CcZ6zH//+sY3/9U5T3/+K6oXYsABLZACTtAWRXACAnEKPPABABAD+TdzvqCADOiAAxEJISAF9yIQZUACMUADdAGAAkiAbdELHoAIBdEJOSACJxADjzAQYZACKxAEB6QLV+ACOEADX1ALvkCDNoiDOgiCA1iACbiADZh/EliEvhAH2wEAxoeCKsiCLgiDMriDNXiDOTgQG9iB5eELWeiBUVcxLxiDB6SBHOiFd1SCBAGEIviFVNiDV0iGWjiEE5h/JGiCCJE3dbgUVeiDbWiFOghaF5iBR0iBZ2iHA5GHA6GE25F/FoiBkrAUgEHIR3kziMbHg37Yh3yoiJQBBZbIh534hlxYhnShiYLRhCm4gi0YgURIiFwXiAQRhlOYSacIhfLnhKjIhgIBi2MYinFIioHBiK4YhWIojLGIEYlACgphCDrgNBTxCnhgFS1xjBLhjBIhjRlBjQlhjdhIEcrIjAuxjQMBjsm4jBFhjdA4jt5oEea4EOtoEd14jvAYj/I4j/RYj/Z4j/iYj/q4j/zYj/74jwAZkPAYEAA7">
+            <a:extLst>
+              <a:ext uri="{FF2B5EF4-FFF2-40B4-BE49-F238E27FC236}">
+                <a16:creationId xmlns:a16="http://schemas.microsoft.com/office/drawing/2014/main" id="{37F7E394-B643-D346-F264-9191BC915CF3}"/>
+              </a:ext>
+            </a:extLst>
+          </p:cNvPr>
+          <p:cNvPicPr>
+            <a:picLocks noChangeAspect="1" noChangeArrowheads="1"/>
+          </p:cNvPicPr>
+          <p:nvPr/>
+        </p:nvPicPr>
+        <p:blipFill rotWithShape="1">
+          <a:blip r:embed="rId3">
+            <a:extLst>
+              <a:ext uri="{28A0092B-C50C-407E-A947-70E740481C1C}">
+                <a14:useLocalDpi xmlns:a14="http://schemas.microsoft.com/office/drawing/2010/main" val="0"/>
+              </a:ext>
+            </a:extLst>
+          </a:blip>
+          <a:srcRect r="77416"/>
+          <a:stretch/>
+        </p:blipFill>
+        <p:spPr bwMode="auto">
+          <a:xfrm>
+            <a:off x="6638289" y="2359109"/>
+            <a:ext cx="2221231" cy="356622"/>
+          </a:xfrm>
+          <a:prstGeom prst="rect">
+            <a:avLst/>
+          </a:prstGeom>
+          <a:noFill/>
+          <a:extLst>
+            <a:ext uri="{909E8E84-426E-40DD-AFC4-6F175D3DCCD1}">
+              <a14:hiddenFill xmlns:a14="http://schemas.microsoft.com/office/drawing/2010/main">
+                <a:solidFill>
+                  <a:srgbClr val="FFFFFF"/>
+                </a:solidFill>
+              </a14:hiddenFill>
+            </a:ext>
+          </a:extLst>
+        </p:spPr>
+      </p:pic>
+      <p:pic>
+        <p:nvPicPr>
+          <p:cNvPr id="4" name="Picture 8" descr="data:image/gif;base64,R0lGODlhSgAvAPcAAAAAAAICAgMDAwYGBgcHBwgICAkJCQoKCg0NDQ4ODg8PDxAQEBISEhYWFhcXFxoaGhsbGx8fHyAgICEhISMjIyQkJCUlJSYmJicnJysrKywsLC0tLS4uLi8vLzAwMDExMTQ0NDU1NTY2Njc3Nzg4ODk5OTs7Ozw8PD09PT4+Pj8/P0BAQEFBQUJCQkNDQ0REREVFRUZGRklJSUpKSktLS0xMTE1NTU5OTk9PT1BQUFFRUVJSUlNTU1RUVFZWVldXV1hYWFlZWVpaWltbW1xcXF1dXV5eXl9fX2FhYWJiYmNjY2RkZGVlZWZmZmdnZ2hoaGpqamtra21tbW5ubm9vb3BwcHFxcXJycnV1dXZ2dnd3d3h4eHl5eXt7e3x8fICAgIKCgoODg4SEhIaGhoeHh4mJiYqKiouLi4yMjI6Ojo+Pj5CQkJGRkZKSkpOTk5WVlZaWlpeXl5qampubm5ycnJ2dnZ6enp+fn6CgoKGhoaKioqOjo6Wlpaampqenp6ioqKmpqaqqqqurq6ysrK6urq+vr7GxsbKysrS0tLa2tri4uLu7u7y8vL6+vr+/v8DAwMHBwcLCwsPDw8TExMXFxcfHx8nJycrKysvLy8zMzM3Nzc7Ozs/Pz9DQ0NHR0dLS0tPT09TU1NXV1dbW1tfX19jY2NnZ2dra2t3d3d7e3uDg4OHh4eLi4uPj4+Tk5OXl5ebm5ufn5+jo6Onp6erq6uvr6+zs7O3t7e7u7u/v7/Dw8PHx8fLy8vPz8/T09PX19fb29vf39/j4+Pn5+fr6+vv7+/z8/P39/f7+/v///wAAAAAAAAAAAAAAAAAAAAAAAAAAAAAAAAAAAAAAAAAAAAAAAAAAAAAAAAAAAAAAAAAAAAAAAAAAAAAAAAAAAAAAAAAAAAAAAAAAAAAAAAAAAAAAAAAAAAAAAAAAAAAAAAAAAAAAAAAAAAAAAAAAAAAAAAAAAAAAAAAAAAAAAAAAAAAAAAAAAAAAAAAAAAAAAAAAAAAAAAAAAAAAAAAAAAAAACwAAAAASgAvAAAI/wCTCRxIsKDBgwgTKlzIsKHDhxAjSsy0AIPFixgzatzIsSOGMhIP9vESsqRJhl/0nFzJcqCQSi1jmgxxS6bNiBRu6mw4i8TOnwklFTEIq8kIoDrrhDGYaAaIkMbUtEoGjIuLFS02Jdu0Z+eWPwfRPJWIxJPAHj2KJeODgFYyP2Z07tBqUKzAX1Fq3GDCS6CrHkpMwKhBJlkfJQJJAeA0sALIZCQY29zQK+xYG0QEPmEh0IWVrQBGCQyRSGAhALUG0kgicMwSm8gmILTLCYAogawARBIm4FAyZAzwJKMFwJZATAAmDYzxORmjBzZVpZj9FE8AtQIRtDE2YE4yXwlQJf/TJACZQGQmQIyqFciBHYGdrstchNhysjvyBSZYk2wKClt/KCKQJQUQtAsWKSiRRQKzJAbAMDK98VhdT21im0CvAPBIMsdYEQQuA6XyoEHFrDChJQrYRAUh1AlUgxECSaHCQB1IJpAxDJRS0DBEDIFdMoBMJ5MMoRwkiAcIbPEdFDjosMQuAgUDwQEhfGGKQEjQQVAmIVxh3kBTsGHTBcGERIwIcchiSA4JVKZKC8cI1AgPRRJ0SwplxkRMTiEtEsFAvwjgVjKUnJHQMFqoktAnNpRggQ+xNFTKCyUlQgAoAvUxBEGqrIKQJ1AiFAwDfXw3Ag0NHQJFSchsIUENSbj/8eNJw9AgWRoLNISGGkit5IQMDTmBSK8hIXNHFEcYxxALpyDk0bPQYiQHQseAEYcRbjQkwazERpShJAv5ckG3EP0ySIgAOFLQJ4YQxMkM5D6UCACYJEPMECBAKFAoVBiAAUGBVBGvQ8iYoYELKkyhrECMGOMDAJcMJMYbA8eECABTDGTEIhW3VIwDDWBHgqIds2QFAKUlA8GXK6kCxAkY0HBlr50AIEQyt2QQEwZiJDOMDRVwuxMHB/RSiQ4tHbMCWMnMWydSaACgRx5Z6NRHALkQG4sAMXTh3U03ZNatDAKgAMlNcmigC7l/AAAALDaxEcPa5AajAAIyHVMFEsTgKNwIuUx8ENMvOfwASiihwCFwt5L8EBMebkcOwOLd3lGyTsZcrvnAAQEAOw==">
+            <a:extLst>
+              <a:ext uri="{FF2B5EF4-FFF2-40B4-BE49-F238E27FC236}">
+                <a16:creationId xmlns:a16="http://schemas.microsoft.com/office/drawing/2014/main" id="{A01B9EA4-9432-8327-A08A-068C7BB0A459}"/>
+              </a:ext>
+            </a:extLst>
+          </p:cNvPr>
+          <p:cNvPicPr>
+            <a:picLocks noChangeAspect="1" noChangeArrowheads="1"/>
+          </p:cNvPicPr>
+          <p:nvPr/>
+        </p:nvPicPr>
+        <p:blipFill>
+          <a:blip r:embed="rId4">
+            <a:extLst>
+              <a:ext uri="{28A0092B-C50C-407E-A947-70E740481C1C}">
+                <a14:useLocalDpi xmlns:a14="http://schemas.microsoft.com/office/drawing/2010/main" val="0"/>
+              </a:ext>
+            </a:extLst>
+          </a:blip>
+          <a:srcRect/>
+          <a:stretch>
+            <a:fillRect/>
+          </a:stretch>
+        </p:blipFill>
+        <p:spPr bwMode="auto">
+          <a:xfrm>
+            <a:off x="4499949" y="3196991"/>
+            <a:ext cx="1352211" cy="858837"/>
+          </a:xfrm>
+          <a:prstGeom prst="rect">
+            <a:avLst/>
+          </a:prstGeom>
+          <a:noFill/>
+          <a:extLst>
+            <a:ext uri="{909E8E84-426E-40DD-AFC4-6F175D3DCCD1}">
+              <a14:hiddenFill xmlns:a14="http://schemas.microsoft.com/office/drawing/2010/main">
+                <a:solidFill>
+                  <a:srgbClr val="FFFFFF"/>
+                </a:solidFill>
+              </a14:hiddenFill>
+            </a:ext>
+          </a:extLst>
+        </p:spPr>
+      </p:pic>
+      <p:pic>
+        <p:nvPicPr>
+          <p:cNvPr id="5" name="Picture 10" descr="data:image/gif;base64,R0lGODlhDAITAPcAAAAAAAICAgMDAwUFBQgICA0NDQ4ODg8PDxAQEBERERISEhMTExYWFhcXFxgYGBkZGRsbGx4eHh8fHyAgICIiIiMjIyQkJCUlJScnJygoKCoqKisrKywsLC4uLjAwMDIyMjQ0NDU1NTY2Njc3Nzk5OTs7Ozw8PD09PT4+Pj8/P0BAQEFBQUJCQkNDQ0REREVFRUZGRkdHR0lJSUpKSktLS01NTU5OTk9PT1BQUFFRUVNTU1RUVFVVVVZWVldXV1hYWFlZWVpaWltbW1xcXF1dXV5eXl9fX2FhYWJiYmNjY2RkZGdnZ2lpaWtra25ubm9vb3BwcHFxcXJycnR0dHV1dXZ2dnd3d3l5eXt7e3x8fH9/f4CAgIKCgoSEhIWFhYaGhoeHh4mJiYqKio2NjY6OjpCQkJGRkZKSkpOTk5SUlJaWlpeXl5qampycnJ2dnZ6enp+fn6CgoKKioqOjo6Wlpaampqenp6ioqKmpqaqqqqurq6ysrK6urq+vr7KysrW1tba2tre3t7i4uLq6ury8vL29vb6+vr+/v8DAwMLCwsPDw8TExMbGxsfHx8nJycrKysvLy8zMzM3Nzc7Ozs/Pz9LS0tPT09TU1NXV1dbW1tfX19jY2NnZ2dra2tvb29zc3N3d3d7e3t/f3+Dg4OLi4uXl5efn5+jo6Onp6erq6uvr6+zs7O3t7e7u7u/v7/Dw8PHx8fLy8vPz8/T09PX19fb29vf39/j4+Pn5+fr6+vv7+/z8/P39/f7+/v///wAAAAAAAAAAAAAAAAAAAAAAAAAAAAAAAAAAAAAAAAAAAAAAAAAAAAAAAAAAAAAAAAAAAAAAAAAAAAAAAAAAAAAAAAAAAAAAAAAAAAAAAAAAAAAAAAAAAAAAAAAAAAAAAAAAAAAAAAAAAAAAAAAAAAAAAAAAAAAAAAAAAAAAAAAAAAAAAAAAAAAAAAAAAAAAAAAAAAAAAAAAAAAAAAAAAAAAAAAAAAAAAAAAAAAAAAAAAAAAAAAAAAAAAAAAAAAAAAAAACwAAAAADAITAAAI/wB9CRxIsKDBgwgTKlzIsKHDhxAjSpxIsaLFixgzatzIsaPHjyBDihxJsqTJkyhTqlzJsqXLlzBjypxJs6bNmzhz6tzJs6fPn0CD+tRVh4kWoUiTbiRqVOlFpkedLqxUg8SFHqYMsqIDBMEqg64wxCkYdizBsmTFCtza9avAUT9MYKDB6W3cuXV9sfU6sNaVFipYTBooJgWLIa/SmvXlyYSVSrfWcuWrWCAuKyRUvMAkkKpVrAL9AhZc2RcCAKhRM/Dl+WpW06lV653s1hdcuXQFbok9gbBhxKH/Bh7sS/Rwgadjr/ZV+HBigc2BFxdO2tfu1L2h/34+EC1s5WfVav93Hnw08euosydPvbzx48jf2du+m3t2W7Dib+Mtf3w+7rzoAZBda6CNJ91etTHmGGSlITiQfvU5KNl9uvGGXGwArAZhXsxtNyFltihQhy+zjECDQX20cQYACfqSiwsHLOYijDK+GCNBNpqV4oq1YdCFL7jUYIEuvvgIpJBE7sjiQDvsQCQdBaTiCxgg2OJLFiHgSKNAsTzAR0FKtpijQFe8gIsvblDQS4gjlniiL00+GeVAY/oywSd4fuKDF2ySaKJAd+a5py9hDmRkkENaZ8UljOZFpZVYChSnL1BKOWmlduappxdTVnlllp1CCuqlc26xaKMCPfqpljdmKiinAtX/qWqkcDpJaamnXpJXoHgO2uWXBPG6aZE/IpqkikuyatahSNYqp5TMJmoqo7r60qebqXpKa6FcenlQndwSe2Si4YY7Laqu9spptETOCiq3uNBAiUBkIIAQIskOlAQYJsi4b78E/esvvzLi6xYvKtwhECAAXIKwwr4wfMlABgukCQDzCmRBGLUsMKIvrwwgiL4ECzTFDffmK5DAAnmABpcAnBJvxvX6cnHGvmxMMsC+yPFgBLPMTK+9Pf88C8XJPrxww9aVUVDHH4csyM0DbUy1xmEU/RbQUAskddcgi3x1zllv4TRBYEu9s1k+b330yiWnLTbGVZd9NkFt2wa0Lycb/5T3KEArHTHTAlUccMmCSzz2xokzbXZBQvtSs9wjF55v3wexjPTBCS89seUtGt6030Y3fgnlmx+0hAwpJygGEb7wzBzssr8e+2K2y+6L6ATVEYArBfkOPOgC9QGAKgPRgIQjAIQyUAdWQEe7WQlgUYQGLPxBEO+5mwXECbT4sggGBq1O6PHJIyH97QYZkUb5rBfk/vYqDyT86AQx77xA0BuPvEDK81/65Pc+/T3PCgbknxUECED1PS5/zTvg+nQnkPlNcCwJ9EX/0NdA/CHEgtW7Xvba977g/S51hJmeQYTHQF8oz4TAeyBCzJdB6KHQFyHEnvYuSL8WCeR+xOvhQP9keBAL9u53NYxeEAXSCzg0wQg+XGIfTBAZnk2xijqiIvsIpUXd8W4gNhiCQcIoRF9AAgCLGAgMoqAHAMRiICz4ARex6AtUAOAJoIiFGgBQiBtecYud2MAFyLCZgTTxiV85YxoFssY5bnEglqjAmZjoRCgWJJKTXCJByGidDDhAATTgTBvfKJA4KlKNUTglI6NAEEz6YpRw/AEsS/kDVfqikVvwJChF6cZYOpKCrvzlWGbpC1OiEZWd/GQoLynJOt4xj3vsIySbWRBOSrGLMhIIGW3ZyE2KMZm7NGQlv0LMOKLQjnjUIx+FWcZqflOTu8tXLpXJmVZS05uv7CUtb+j/C15wYQ1FeNlBDBcJDaBCIAAr6EHZp1CEjqWhj4ynD9nAAe4IhKIWNVwvSgCCTKgiDw14Qx4AIIuBrOAHEAUYIwCwiYHMwAYoTKlZnHCGW7RBBXkYiD8B+rKNdvSjIZVpNedAkJ0GdKgF+aIvMEqQXUiCBBCQxUhLKpCT+tSjIH3DVYH6hk0S1RdTNekPwlrVH2w1qwNxKlSlSlKxCtWrAhEqWX1hVY5iNaRpfWpU4eqLlbZUIC/lK0GYGlODOrQgTD0rXgdCWIGoda/9/OdR53pSFPrVpTZ4KzyXWtF2wvOxVNXmVwfbWcrKcbO+KAUAFDHQZClBAASILQAGQAAi/8BWtrS1bWwJMNva3pa3tHXLF80AA4v6grjGFR0sqICCJFTBAKhgnigO+Nrd9vYRAGjEQKjgARRWF7cE+MMBduE1BwCiIKpl7XKb+1xUfBe4BHALIzjAi4OkdyDzra9nj1vcg1iCj9KV4HqdC11fDLi9+KWvQAKsQAZrMHoHLnArAQyA6Srwvb2Vr4J9gWHaDqLCAmYugRcKyXUKJL8C6UR2t9vdE294IMhNqmt/m2GBxFggESbxjS9p4oGk18E2DKKKtSsQ7nY4vvDcMTyV6ov/SrOvL7Zxf30BZCVKVCC02MNAQgGAQ7Q2ihSM6GEL4sV88QIKR8iFXgzRTzSrmf8VbN6sLlSQtY7ZwWsDCASZx5KLBKxhIDx4J5MBRogHEKQEXcjylrtMkDlnbc8EQYEfBqJogXDZywKRtEFEd+Y0r9kXoQUFADBhZzzreSCOLkiqB6Lp0CzgzmELRKlj3Wg6CyTUo551yE49EN212iAA03Wea/1oXNfTF7/u858FEmhWT1qnbv40annW6TfHWSCrrvanjV1pX1xa2Lw2nLIB/c4xL1HbcObnlW89EFEf+9dt9jScwY1ChkHCRUIAwZmuEIT9mrvX2RRzRA1HCxz4wBKMUgMUCn7whENB3bgYghCI5IsvhCAytCIIz8aQgVb4IhIGyIS6DysLCQg0EQn/6IS98a3vgUR84sBeDCBIQJCV5yLfk5z5l7FscIRfQuGdEICXd3GEG/Si4hdflcslTnHLMH0gOieIxTEOqqkr3ekwD/rQi350q2cc4FCnOUJ45nVQYZ1IWvcF0Y2+MLEPhOMeB7nII+Z2XzDc5wofOfvu7vClw5zvP4dC2tfeC5vjHOlUbyfcPx5ySKMQ8HlfcrIGz/W2EwTyDy97GXshBg60IAVOcEsRTiCQU/DgAwCIwcMdr/GAh5lnpke96n0RBwwBAAq1x9DDY5/61X88BFI4+kDCkIIVBGF4rR9IGUgQAxoQh/ezd3wnciCCE8TgEb7gvOdBX5tIAF/4ju+F/wcQQRDtfz70TBx/QaD/8NzHBgq6uIILcECDL9Ri+MU//kC8H3yC8B/84kd+BUF8xod8BKh/cfV92CZ/9Gd/+FeAMZd+AngQsnOAyPd/Czh/9Xd/2ad+BbF8zUccAUgQ7pcau3d6vReBJYgaq4eBtGd78MeAG5h9nXd+tWGBpYeC0ecLIOh8EegL7PeCugeEOrh6QRh/GuiAHTiBQvh+AoGDRCh7vncRiUAKBlGFV2iFBYGFIWEIOvA5D8GFFCGGD+GFYJiFXoMHDvEKalgSZlgQb0gQbGgRcUiFWjiHCUGGBlGHCoGHDOGHdqgQfFgTelgSgCgViJiIiriIjNiIjhT4iJAYiZI4iZRYiZZ4iZiYiY0YEAA7">
+            <a:extLst>
+              <a:ext uri="{FF2B5EF4-FFF2-40B4-BE49-F238E27FC236}">
+                <a16:creationId xmlns:a16="http://schemas.microsoft.com/office/drawing/2014/main" id="{6F5394C8-063F-F3B5-439F-77B0915D538E}"/>
+              </a:ext>
+            </a:extLst>
+          </p:cNvPr>
+          <p:cNvPicPr>
+            <a:picLocks noChangeAspect="1" noChangeArrowheads="1"/>
+          </p:cNvPicPr>
+          <p:nvPr/>
+        </p:nvPicPr>
+        <p:blipFill rotWithShape="1">
+          <a:blip r:embed="rId5">
+            <a:extLst>
+              <a:ext uri="{28A0092B-C50C-407E-A947-70E740481C1C}">
+                <a14:useLocalDpi xmlns:a14="http://schemas.microsoft.com/office/drawing/2010/main" val="0"/>
+              </a:ext>
+            </a:extLst>
+          </a:blip>
+          <a:srcRect r="77581" b="731"/>
+          <a:stretch/>
+        </p:blipFill>
+        <p:spPr bwMode="auto">
+          <a:xfrm>
+            <a:off x="6638289" y="3385586"/>
+            <a:ext cx="2221231" cy="356622"/>
+          </a:xfrm>
+          <a:prstGeom prst="rect">
+            <a:avLst/>
+          </a:prstGeom>
+          <a:noFill/>
+          <a:extLst>
+            <a:ext uri="{909E8E84-426E-40DD-AFC4-6F175D3DCCD1}">
+              <a14:hiddenFill xmlns:a14="http://schemas.microsoft.com/office/drawing/2010/main">
+                <a:solidFill>
+                  <a:srgbClr val="FFFFFF"/>
+                </a:solidFill>
+              </a14:hiddenFill>
+            </a:ext>
+          </a:extLst>
+        </p:spPr>
+      </p:pic>
+      <p:pic>
+        <p:nvPicPr>
+          <p:cNvPr id="6" name="Picture 12" descr="201/64">
+            <a:extLst>
+              <a:ext uri="{FF2B5EF4-FFF2-40B4-BE49-F238E27FC236}">
+                <a16:creationId xmlns:a16="http://schemas.microsoft.com/office/drawing/2014/main" id="{A6585210-A86E-B9C2-70CD-3A9737982D02}"/>
+              </a:ext>
+            </a:extLst>
+          </p:cNvPr>
+          <p:cNvPicPr>
+            <a:picLocks noChangeAspect="1" noChangeArrowheads="1"/>
+          </p:cNvPicPr>
+          <p:nvPr/>
+        </p:nvPicPr>
+        <p:blipFill>
+          <a:blip r:embed="rId6">
+            <a:extLst>
+              <a:ext uri="{28A0092B-C50C-407E-A947-70E740481C1C}">
+                <a14:useLocalDpi xmlns:a14="http://schemas.microsoft.com/office/drawing/2010/main" val="0"/>
+              </a:ext>
+            </a:extLst>
+          </a:blip>
+          <a:srcRect/>
+          <a:stretch>
+            <a:fillRect/>
+          </a:stretch>
+        </p:blipFill>
+        <p:spPr bwMode="auto">
+          <a:xfrm>
+            <a:off x="5176054" y="4392693"/>
+            <a:ext cx="544026" cy="712862"/>
+          </a:xfrm>
+          <a:prstGeom prst="rect">
+            <a:avLst/>
+          </a:prstGeom>
+          <a:noFill/>
+          <a:extLst>
+            <a:ext uri="{909E8E84-426E-40DD-AFC4-6F175D3DCCD1}">
+              <a14:hiddenFill xmlns:a14="http://schemas.microsoft.com/office/drawing/2010/main">
+                <a:solidFill>
+                  <a:srgbClr val="FFFFFF"/>
+                </a:solidFill>
+              </a14:hiddenFill>
+            </a:ext>
+          </a:extLst>
+        </p:spPr>
+      </p:pic>
+      <p:pic>
+        <p:nvPicPr>
+          <p:cNvPr id="7" name="Picture 14" descr="data:image/gif;base64,R0lGODlhPAATAPcAAAAAAAICAgMDAwUFBQgICA4ODg8PDxAQEBERERISEhMTExgYGBkZGRsbGyAgICQkJCUlJScnJygoKCoqKiwsLC4uLjAwMDIyMjQ0NDU1NTc3Nzk5OTw8PD09PT8/P0BAQEFBQUJCQkNDQ0REREZGRkdHR0lJSUpKSktLS01NTU5OTk9PT1BQUFVVVVZWVldXV1hYWFlZWVpaWltbW1xcXF1dXV5eXl9fX2FhYWNjY2RkZGdnZ2lpaWtra25ubm9vb3BwcHR0dHV1dXd3d3l5eXt7e3x8fH9/f4CAgIKCgoSEhIaGhoeHh4mJiYqKio2NjY6OjpCQkJGRkZKSkpOTk5aWlpeXl5qampycnJ+fn6CgoKWlpaampqenp6ioqKqqqqurq6ysrK6urq+vr7W1tba2tre3t7i4uLq6ur29vb6+vr+/v8DAwMLCwsPDw8bGxsfHx8nJycvLy8zMzM3Nzc7Ozs/Pz9LS0tPT09TU1NXV1dbW1tjY2NnZ2dra2tvb293d3d7e3t/f3+Dg4OLi4uXl5efn5+jo6Onp6ezs7O3t7e7u7u/v7/Dw8PLy8vPz8/T09PX19fb29vf39/j4+Pn5+fr6+vv7+/z8/P39/f7+/v///wAAAAAAAAAAAAAAAAAAAAAAAAAAAAAAAAAAAAAAAAAAAAAAAAAAAAAAAAAAAAAAAAAAAAAAAAAAAAAAAAAAAAAAAAAAAAAAAAAAAAAAAAAAAAAAAAAAAAAAAAAAAAAAAAAAAAAAAAAAAAAAAAAAAAAAAAAAAAAAAAAAAAAAAAAAAAAAAAAAAAAAAAAAAAAAAAAAAAAAAAAAAAAAAAAAAAAAAAAAAAAAAAAAAAAAAAAAAAAAAAAAAAAAAAAAAAAAAAAAAAAAAAAAAAAAAAAAAAAAAAAAAAAAAAAAAAAAAAAAAAAAAAAAAAAAAAAAAAAAAAAAAAAAAAAAAAAAAAAAAAAAAAAAAAAAAAAAAAAAAAAAAAAAAAAAAAAAAAAAAAAAAAAAAAAAAAAAAAAAACwAAAAAPAATAAAI/wA3CRxIsKDBgwgTKlzIsKHDhxAjSpxIsaLFiwMvceFxROKdFBsguDBkUNGWGAcSGWQUQctAJx5C0Gg08A+HIXcoCRwEg0MEFH0EIgFAFICDTZMScNkESQMKg2OwTAGgkqClEQZcbmKCYdImIxkEOmIgpmAEJZsqpXhwaROSIXniBq2Ewo5AKAcQsqFaMAcTDi4lKVi6qdGAM5uCrCiY6YMXgWUA5HEbReEOE3r5vqyxCfCmOAACDawwZBOCIjYmhCBjkEsARpQPasrS40ZVg3tvj+Gg0zMYAI4GhoCBCMAPQI6qAEhTUAUNoRIWJEChZ2CmJFZsUMlcdc4ERAI9f+IB8GggCBhvAPAZeEIFwSsUaA7ERGdDg/IECwFwczC3QB0CECAgAAMQgAYAgow2hB8AwDGQEBYMJAUJ8hWEx3KRhDFQIACs0Z9mBXkmWBcCGWaGJQhYMVALz2UCBA6WbKKIGpvgtwkgAOgRmRybWDIDBpVsQoQMBPlnkGebLJGBTmAJ9IQEi2wyRwF7RMLCC3jEVQUQfgjgISY4rKCJJk5QIIIHPlRlQwcCHdLCBQCUAMSRWm3ShAcgyACbQFFsUAIKdWyiRVFFAXEJESOwgMISkmAkUBuEOCrppJRWaumlEQUEADs=">
+            <a:extLst>
+              <a:ext uri="{FF2B5EF4-FFF2-40B4-BE49-F238E27FC236}">
+                <a16:creationId xmlns:a16="http://schemas.microsoft.com/office/drawing/2014/main" id="{710497FB-9C76-BDFC-ACAC-573978F0CC21}"/>
+              </a:ext>
+            </a:extLst>
+          </p:cNvPr>
+          <p:cNvPicPr>
+            <a:picLocks noChangeAspect="1" noChangeArrowheads="1"/>
+          </p:cNvPicPr>
+          <p:nvPr/>
+        </p:nvPicPr>
+        <p:blipFill>
+          <a:blip r:embed="rId7">
+            <a:extLst>
+              <a:ext uri="{28A0092B-C50C-407E-A947-70E740481C1C}">
+                <a14:useLocalDpi xmlns:a14="http://schemas.microsoft.com/office/drawing/2010/main" val="0"/>
+              </a:ext>
+            </a:extLst>
+          </a:blip>
+          <a:srcRect/>
+          <a:stretch>
+            <a:fillRect/>
+          </a:stretch>
+        </p:blipFill>
+        <p:spPr bwMode="auto">
+          <a:xfrm>
+            <a:off x="6638289" y="4570813"/>
+            <a:ext cx="1126175" cy="356622"/>
+          </a:xfrm>
+          <a:prstGeom prst="rect">
+            <a:avLst/>
+          </a:prstGeom>
+          <a:noFill/>
+          <a:extLst>
+            <a:ext uri="{909E8E84-426E-40DD-AFC4-6F175D3DCCD1}">
+              <a14:hiddenFill xmlns:a14="http://schemas.microsoft.com/office/drawing/2010/main">
+                <a:solidFill>
+                  <a:srgbClr val="FFFFFF"/>
+                </a:solidFill>
+              </a14:hiddenFill>
+            </a:ext>
+          </a:extLst>
+        </p:spPr>
+      </p:pic>
+    </p:spTree>
+    <p:extLst>
+      <p:ext uri="{BB962C8B-B14F-4D97-AF65-F5344CB8AC3E}">
+        <p14:creationId xmlns:p14="http://schemas.microsoft.com/office/powerpoint/2010/main" val="1020591618"/>
+      </p:ext>
+    </p:extLst>
+  </p:cSld>
+  <p:clrMapOvr>
+    <a:masterClrMapping/>
+  </p:clrMapOvr>
+</p:sld>
+</file>
+
+<file path=ppt/slides/slide22.xml><?xml version="1.0" encoding="utf-8"?>
+<p:sld xmlns:a="http://schemas.openxmlformats.org/drawingml/2006/main" xmlns:r="http://schemas.openxmlformats.org/officeDocument/2006/relationships" xmlns:p="http://schemas.openxmlformats.org/presentationml/2006/main">
+  <p:cSld>
+    <p:spTree>
+      <p:nvGrpSpPr>
+        <p:cNvPr id="1" name=""/>
+        <p:cNvGrpSpPr/>
+        <p:nvPr/>
+      </p:nvGrpSpPr>
+      <p:grpSpPr>
+        <a:xfrm>
+          <a:off x="0" y="0"/>
+          <a:ext cx="0" cy="0"/>
+          <a:chOff x="0" y="0"/>
+          <a:chExt cx="0" cy="0"/>
+        </a:xfrm>
+      </p:grpSpPr>
+      <p:pic>
+        <p:nvPicPr>
           <p:cNvPr id="3" name="Picture 2" descr="Chart, scatter chart&#10;&#10;Description automatically generated">
             <a:extLst>
               <a:ext uri="{FF2B5EF4-FFF2-40B4-BE49-F238E27FC236}">
@@ -14101,6 +14575,9 @@
                     <m:oMath xmlns:m="http://schemas.openxmlformats.org/officeDocument/2006/math">
                       <m:r>
                         <a:rPr lang="en-US" sz="1800" b="0" i="1" smtClean="0">
+                          <a:solidFill>
+                            <a:srgbClr val="FF0000"/>
+                          </a:solidFill>
                           <a:effectLst/>
                           <a:latin typeface="Cambria Math" panose="02040503050406030204" pitchFamily="18" charset="0"/>
                           <a:ea typeface="DengXian" panose="02010600030101010101" pitchFamily="2" charset="-122"/>
@@ -14112,6 +14589,9 @@
                         <m:dPr>
                           <m:ctrlPr>
                             <a:rPr lang="en-US" sz="1800" b="0" i="1" smtClean="0">
+                              <a:solidFill>
+                                <a:srgbClr val="FF0000"/>
+                              </a:solidFill>
                               <a:effectLst/>
                               <a:latin typeface="Cambria Math" panose="02040503050406030204" pitchFamily="18" charset="0"/>
                               <a:ea typeface="DengXian" panose="02010600030101010101" pitchFamily="2" charset="-122"/>
@@ -14122,6 +14602,9 @@
                         <m:e>
                           <m:r>
                             <a:rPr lang="en-US" sz="1800" b="0" i="1" smtClean="0">
+                              <a:solidFill>
+                                <a:srgbClr val="FF0000"/>
+                              </a:solidFill>
                               <a:effectLst/>
                               <a:latin typeface="Cambria Math" panose="02040503050406030204" pitchFamily="18" charset="0"/>
                               <a:ea typeface="DengXian" panose="02010600030101010101" pitchFamily="2" charset="-122"/>
@@ -14133,6 +14616,9 @@
                       </m:d>
                       <m:r>
                         <a:rPr lang="en-US" sz="1800" b="0" i="1" smtClean="0">
+                          <a:solidFill>
+                            <a:srgbClr val="FF0000"/>
+                          </a:solidFill>
                           <a:effectLst/>
                           <a:latin typeface="Cambria Math" panose="02040503050406030204" pitchFamily="18" charset="0"/>
                           <a:ea typeface="DengXian" panose="02010600030101010101" pitchFamily="2" charset="-122"/>
@@ -14142,6 +14628,9 @@
                       </m:r>
                       <m:r>
                         <a:rPr lang="en-US" sz="1800" i="1" smtClean="0">
+                          <a:solidFill>
+                            <a:srgbClr val="FF0000"/>
+                          </a:solidFill>
                           <a:effectLst/>
                           <a:latin typeface="Cambria Math" panose="02040503050406030204" pitchFamily="18" charset="0"/>
                           <a:ea typeface="DengXian" panose="02010600030101010101" pitchFamily="2" charset="-122"/>
@@ -14151,6 +14640,9 @@
                       </m:r>
                       <m:r>
                         <a:rPr lang="en-US" sz="1800" i="1" smtClean="0">
+                          <a:solidFill>
+                            <a:srgbClr val="FF0000"/>
+                          </a:solidFill>
                           <a:effectLst/>
                           <a:latin typeface="Cambria Math" panose="02040503050406030204" pitchFamily="18" charset="0"/>
                           <a:ea typeface="DengXian" panose="02010600030101010101" pitchFamily="2" charset="-122"/>
@@ -14160,6 +14652,9 @@
                       </m:r>
                       <m:r>
                         <a:rPr lang="en-US" sz="1800" i="1" smtClean="0">
+                          <a:solidFill>
+                            <a:srgbClr val="FF0000"/>
+                          </a:solidFill>
                           <a:effectLst/>
                           <a:latin typeface="Cambria Math" panose="02040503050406030204" pitchFamily="18" charset="0"/>
                           <a:ea typeface="DengXian" panose="02010600030101010101" pitchFamily="2" charset="-122"/>
@@ -14171,6 +14666,9 @@
                         <m:funcPr>
                           <m:ctrlPr>
                             <a:rPr lang="en-US" sz="1800" i="1">
+                              <a:solidFill>
+                                <a:srgbClr val="FF0000"/>
+                              </a:solidFill>
                               <a:effectLst/>
                               <a:latin typeface="Cambria Math" panose="02040503050406030204" pitchFamily="18" charset="0"/>
                               <a:ea typeface="DengXian" panose="02010600030101010101" pitchFamily="2" charset="-122"/>
@@ -14184,6 +14682,9 @@
                               <m:sty m:val="p"/>
                             </m:rPr>
                             <a:rPr lang="en-US" sz="1800">
+                              <a:solidFill>
+                                <a:srgbClr val="FF0000"/>
+                              </a:solidFill>
                               <a:effectLst/>
                               <a:latin typeface="Cambria Math" panose="02040503050406030204" pitchFamily="18" charset="0"/>
                               <a:ea typeface="DengXian" panose="02010600030101010101" pitchFamily="2" charset="-122"/>
@@ -14197,6 +14698,9 @@
                             <m:dPr>
                               <m:ctrlPr>
                                 <a:rPr lang="en-US" sz="1800" i="1">
+                                  <a:solidFill>
+                                    <a:srgbClr val="FF0000"/>
+                                  </a:solidFill>
                                   <a:effectLst/>
                                   <a:latin typeface="Cambria Math" panose="02040503050406030204" pitchFamily="18" charset="0"/>
                                   <a:ea typeface="DengXian" panose="02010600030101010101" pitchFamily="2" charset="-122"/>
@@ -14207,6 +14711,9 @@
                             <m:e>
                               <m:r>
                                 <a:rPr lang="en-US" sz="1800" i="1">
+                                  <a:solidFill>
+                                    <a:srgbClr val="FF0000"/>
+                                  </a:solidFill>
                                   <a:effectLst/>
                                   <a:latin typeface="Cambria Math" panose="02040503050406030204" pitchFamily="18" charset="0"/>
                                   <a:ea typeface="DengXian" panose="02010600030101010101" pitchFamily="2" charset="-122"/>
@@ -14216,6 +14723,9 @@
                               </m:r>
                               <m:r>
                                 <a:rPr lang="en-US" sz="1800" i="1">
+                                  <a:solidFill>
+                                    <a:srgbClr val="FF0000"/>
+                                  </a:solidFill>
                                   <a:effectLst/>
                                   <a:latin typeface="Cambria Math" panose="02040503050406030204" pitchFamily="18" charset="0"/>
                                   <a:ea typeface="DengXian" panose="02010600030101010101" pitchFamily="2" charset="-122"/>
@@ -14229,6 +14739,9 @@
                       </m:func>
                       <m:r>
                         <a:rPr lang="en-US" sz="1800" i="1">
+                          <a:solidFill>
+                            <a:srgbClr val="FF0000"/>
+                          </a:solidFill>
                           <a:effectLst/>
                           <a:latin typeface="Cambria Math" panose="02040503050406030204" pitchFamily="18" charset="0"/>
                           <a:ea typeface="DengXian" panose="02010600030101010101" pitchFamily="2" charset="-122"/>
@@ -14240,6 +14753,9 @@
                   </m:oMathPara>
                 </a14:m>
                 <a:endParaRPr lang="en-US" sz="1800" dirty="0">
+                  <a:solidFill>
+                    <a:srgbClr val="FF0000"/>
+                  </a:solidFill>
                   <a:effectLst/>
                   <a:latin typeface="Calibri" panose="020F0502020204030204" pitchFamily="34" charset="0"/>
                   <a:ea typeface="Calibri" panose="020F0502020204030204" pitchFamily="34" charset="0"/>
@@ -14335,7 +14851,7 @@
 </p:sld>
 </file>
 
-<file path=ppt/slides/slide22.xml><?xml version="1.0" encoding="utf-8"?>
+<file path=ppt/slides/slide23.xml><?xml version="1.0" encoding="utf-8"?>
 <p:sld xmlns:a="http://schemas.openxmlformats.org/drawingml/2006/main" xmlns:r="http://schemas.openxmlformats.org/officeDocument/2006/relationships" xmlns:p="http://schemas.openxmlformats.org/presentationml/2006/main">
   <p:cSld>
     <p:spTree>
@@ -14366,8 +14882,8 @@
         </p:nvSpPr>
         <p:spPr>
           <a:xfrm>
-            <a:off x="3632200" y="2244060"/>
-            <a:ext cx="4927600" cy="2369880"/>
+            <a:off x="2773569" y="2244060"/>
+            <a:ext cx="6644861" cy="2369880"/>
           </a:xfrm>
           <a:prstGeom prst="rect">
             <a:avLst/>
@@ -14385,7 +14901,7 @@
                 <a:latin typeface="Aharoni" panose="02010803020104030203" pitchFamily="2" charset="-79"/>
                 <a:cs typeface="Aharoni" panose="02010803020104030203" pitchFamily="2" charset="-79"/>
               </a:rPr>
-              <a:t>WHAT I LEARNED</a:t>
+              <a:t>WHAT I LEARNED / CONCLUSIONS</a:t>
             </a:r>
           </a:p>
           <a:p>
@@ -14432,10 +14948,26 @@
               <a:buFontTx/>
               <a:buChar char="-"/>
             </a:pPr>
-            <a:endParaRPr lang="en-US" sz="2400" dirty="0">
-              <a:latin typeface="Aharoni" panose="02010803020104030203" pitchFamily="2" charset="-79"/>
-              <a:cs typeface="Aharoni" panose="02010803020104030203" pitchFamily="2" charset="-79"/>
-            </a:endParaRPr>
+            <a:r>
+              <a:rPr lang="en-US" sz="2400" dirty="0">
+                <a:latin typeface="Aharoni" panose="02010803020104030203" pitchFamily="2" charset="-79"/>
+                <a:cs typeface="Aharoni" panose="02010803020104030203" pitchFamily="2" charset="-79"/>
+              </a:rPr>
+              <a:t>Tuning</a:t>
+            </a:r>
+          </a:p>
+          <a:p>
+            <a:pPr marL="285750" indent="-285750">
+              <a:buFontTx/>
+              <a:buChar char="-"/>
+            </a:pPr>
+            <a:r>
+              <a:rPr lang="en-US" sz="2400" dirty="0">
+                <a:latin typeface="Aharoni" panose="02010803020104030203" pitchFamily="2" charset="-79"/>
+                <a:cs typeface="Aharoni" panose="02010803020104030203" pitchFamily="2" charset="-79"/>
+              </a:rPr>
+              <a:t>More applications</a:t>
+            </a:r>
           </a:p>
         </p:txBody>
       </p:sp>
@@ -14452,7 +14984,7 @@
 </p:sld>
 </file>
 
-<file path=ppt/slides/slide23.xml><?xml version="1.0" encoding="utf-8"?>
+<file path=ppt/slides/slide24.xml><?xml version="1.0" encoding="utf-8"?>
 <p:sld xmlns:a="http://schemas.openxmlformats.org/drawingml/2006/main" xmlns:r="http://schemas.openxmlformats.org/officeDocument/2006/relationships" xmlns:p="http://schemas.openxmlformats.org/presentationml/2006/main">
   <p:cSld>
     <p:spTree>
@@ -14484,7 +15016,7 @@
         <p:spPr>
           <a:xfrm>
             <a:off x="4206240" y="3044279"/>
-            <a:ext cx="3779520" cy="769441"/>
+            <a:ext cx="3779520" cy="830997"/>
           </a:xfrm>
           <a:prstGeom prst="rect">
             <a:avLst/>
@@ -14506,7 +15038,7 @@
               <a:t>QUESTIONS</a:t>
             </a:r>
             <a:r>
-              <a:rPr lang="en-US" sz="4400" dirty="0">
+              <a:rPr lang="en-US" sz="4800" dirty="0">
                 <a:latin typeface="Aharoni" panose="02010803020104030203" pitchFamily="2" charset="-79"/>
                 <a:cs typeface="Aharoni" panose="02010803020104030203" pitchFamily="2" charset="-79"/>
               </a:rPr>
@@ -14665,7 +15197,7 @@
         <p:spPr>
           <a:xfrm>
             <a:off x="4165598" y="558800"/>
-            <a:ext cx="3860800" cy="523220"/>
+            <a:ext cx="3860800" cy="769441"/>
           </a:xfrm>
           <a:prstGeom prst="rect">
             <a:avLst/>
@@ -14684,8 +15216,19 @@
                 <a:latin typeface="Aharoni" panose="02010803020104030203" pitchFamily="2" charset="-79"/>
                 <a:cs typeface="Aharoni" panose="02010803020104030203" pitchFamily="2" charset="-79"/>
               </a:rPr>
-              <a:t>GOAL:</a:t>
+              <a:t>GOAL</a:t>
             </a:r>
+            <a:r>
+              <a:rPr lang="en-US" sz="4400" dirty="0">
+                <a:latin typeface="Aharoni" panose="02010803020104030203" pitchFamily="2" charset="-79"/>
+                <a:cs typeface="Aharoni" panose="02010803020104030203" pitchFamily="2" charset="-79"/>
+              </a:rPr>
+              <a:t>:</a:t>
+            </a:r>
+            <a:endParaRPr lang="en-US" sz="2800" dirty="0">
+              <a:latin typeface="Aharoni" panose="02010803020104030203" pitchFamily="2" charset="-79"/>
+              <a:cs typeface="Aharoni" panose="02010803020104030203" pitchFamily="2" charset="-79"/>
+            </a:endParaRPr>
           </a:p>
         </p:txBody>
       </p:sp>
